--- a/presentations/presentation.pptx
+++ b/presentations/presentation.pptx
@@ -2003,7 +2003,7 @@
               <a:pPr>
                 <a:defRPr/>
               </a:pPr>
-              <a:t>10.07.2023</a:t>
+              <a:t>22.08.2023</a:t>
             </a:fld>
             <a:endParaRPr lang="de-DE"/>
           </a:p>
@@ -16399,7 +16399,7 @@
                 <a:ea typeface="Roboto" panose="02000000000000000000" pitchFamily="2" charset="0"/>
                 <a:cs typeface="Roboto" panose="02000000000000000000" pitchFamily="2" charset="0"/>
               </a:rPr>
-              <a:t>Samet</a:t>
+              <a:t>User</a:t>
             </a:r>
           </a:p>
         </p:txBody>
@@ -16659,76 +16659,6 @@
           </a:p>
         </p:txBody>
       </p:sp>
-      <p:pic>
-        <p:nvPicPr>
-          <p:cNvPr id="3074" name="Picture 2">
-            <a:extLst>
-              <a:ext uri="{FF2B5EF4-FFF2-40B4-BE49-F238E27FC236}">
-                <a16:creationId xmlns:a16="http://schemas.microsoft.com/office/drawing/2014/main" id="{02D3E17A-670C-3AC9-F510-EE328CE02698}"/>
-              </a:ext>
-            </a:extLst>
-          </p:cNvPr>
-          <p:cNvPicPr>
-            <a:picLocks noChangeAspect="1" noChangeArrowheads="1"/>
-          </p:cNvPicPr>
-          <p:nvPr/>
-        </p:nvPicPr>
-        <p:blipFill>
-          <a:blip r:embed="rId5">
-            <a:extLst>
-              <a:ext uri="{28A0092B-C50C-407E-A947-70E740481C1C}">
-                <a14:useLocalDpi xmlns:a14="http://schemas.microsoft.com/office/drawing/2010/main" val="0"/>
-              </a:ext>
-            </a:extLst>
-          </a:blip>
-          <a:srcRect/>
-          <a:stretch>
-            <a:fillRect/>
-          </a:stretch>
-        </p:blipFill>
-        <p:spPr bwMode="auto">
-          <a:xfrm>
-            <a:off x="916656" y="721143"/>
-            <a:ext cx="925679" cy="925679"/>
-          </a:xfrm>
-          <a:prstGeom prst="ellipse">
-            <a:avLst/>
-          </a:prstGeom>
-          <a:ln w="63500" cap="rnd">
-            <a:solidFill>
-              <a:srgbClr val="333333"/>
-            </a:solidFill>
-          </a:ln>
-          <a:effectLst>
-            <a:outerShdw blurRad="381000" dist="292100" dir="5400000" sx="-80000" sy="-18000" rotWithShape="0">
-              <a:srgbClr val="000000">
-                <a:alpha val="22000"/>
-              </a:srgbClr>
-            </a:outerShdw>
-          </a:effectLst>
-          <a:scene3d>
-            <a:camera prst="orthographicFront"/>
-            <a:lightRig rig="contrasting" dir="t">
-              <a:rot lat="0" lon="0" rev="3000000"/>
-            </a:lightRig>
-          </a:scene3d>
-          <a:sp3d contourW="7620">
-            <a:bevelT w="95250" h="31750"/>
-            <a:contourClr>
-              <a:srgbClr val="333333"/>
-            </a:contourClr>
-          </a:sp3d>
-          <a:extLst>
-            <a:ext uri="{909E8E84-426E-40DD-AFC4-6F175D3DCCD1}">
-              <a14:hiddenFill xmlns:a14="http://schemas.microsoft.com/office/drawing/2010/main">
-                <a:solidFill>
-                  <a:srgbClr val="FFFFFF"/>
-                </a:solidFill>
-              </a14:hiddenFill>
-            </a:ext>
-          </a:extLst>
-        </p:spPr>
-      </p:pic>
       <p:sp>
         <p:nvSpPr>
           <p:cNvPr id="3" name="Textfeld 2">
@@ -16767,7 +16697,7 @@
               <a:rPr lang="de-DE" b="1" i="1" dirty="0">
                 <a:latin typeface="Abadi" panose="020B0604020104020204" pitchFamily="34" charset="0"/>
               </a:rPr>
-              <a:t> Samet!</a:t>
+              <a:t> User!</a:t>
             </a:r>
           </a:p>
         </p:txBody>
@@ -16984,6 +16914,76 @@
           </a:p>
         </p:txBody>
       </p:sp>
+      <p:pic>
+        <p:nvPicPr>
+          <p:cNvPr id="1026" name="Picture 2">
+            <a:extLst>
+              <a:ext uri="{FF2B5EF4-FFF2-40B4-BE49-F238E27FC236}">
+                <a16:creationId xmlns:a16="http://schemas.microsoft.com/office/drawing/2014/main" id="{74386E60-CD5A-2068-2776-A23F0140AE81}"/>
+              </a:ext>
+            </a:extLst>
+          </p:cNvPr>
+          <p:cNvPicPr>
+            <a:picLocks noChangeAspect="1" noChangeArrowheads="1"/>
+          </p:cNvPicPr>
+          <p:nvPr/>
+        </p:nvPicPr>
+        <p:blipFill>
+          <a:blip r:embed="rId5">
+            <a:extLst>
+              <a:ext uri="{28A0092B-C50C-407E-A947-70E740481C1C}">
+                <a14:useLocalDpi xmlns:a14="http://schemas.microsoft.com/office/drawing/2010/main" val="0"/>
+              </a:ext>
+            </a:extLst>
+          </a:blip>
+          <a:srcRect/>
+          <a:stretch>
+            <a:fillRect/>
+          </a:stretch>
+        </p:blipFill>
+        <p:spPr bwMode="auto">
+          <a:xfrm>
+            <a:off x="899592" y="703649"/>
+            <a:ext cx="986407" cy="986407"/>
+          </a:xfrm>
+          <a:prstGeom prst="ellipse">
+            <a:avLst/>
+          </a:prstGeom>
+          <a:ln w="63500" cap="rnd">
+            <a:solidFill>
+              <a:srgbClr val="333333"/>
+            </a:solidFill>
+          </a:ln>
+          <a:effectLst>
+            <a:outerShdw blurRad="381000" dist="292100" dir="5400000" sx="-80000" sy="-18000" rotWithShape="0">
+              <a:srgbClr val="000000">
+                <a:alpha val="22000"/>
+              </a:srgbClr>
+            </a:outerShdw>
+          </a:effectLst>
+          <a:scene3d>
+            <a:camera prst="orthographicFront"/>
+            <a:lightRig rig="contrasting" dir="t">
+              <a:rot lat="0" lon="0" rev="3000000"/>
+            </a:lightRig>
+          </a:scene3d>
+          <a:sp3d contourW="7620">
+            <a:bevelT w="95250" h="31750"/>
+            <a:contourClr>
+              <a:srgbClr val="333333"/>
+            </a:contourClr>
+          </a:sp3d>
+          <a:extLst>
+            <a:ext uri="{909E8E84-426E-40DD-AFC4-6F175D3DCCD1}">
+              <a14:hiddenFill xmlns:a14="http://schemas.microsoft.com/office/drawing/2010/main">
+                <a:solidFill>
+                  <a:srgbClr val="FFFFFF"/>
+                </a:solidFill>
+              </a14:hiddenFill>
+            </a:ext>
+          </a:extLst>
+        </p:spPr>
+      </p:pic>
     </p:spTree>
     <p:extLst>
       <p:ext uri="{BB962C8B-B14F-4D97-AF65-F5344CB8AC3E}">
